--- a/doc/中期答辩.pptx
+++ b/doc/中期答辩.pptx
@@ -221,7 +221,7 @@
             <a:fld id="{D2A48B96-639E-45A3-A0BA-2464DFDB1FAA}" type="datetimeFigureOut">
               <a:rPr lang="zh-CN" altLang="en-US" smtClean="0"/>
               <a:pPr/>
-              <a:t>2022/11/25</a:t>
+              <a:t>2022/11/26</a:t>
             </a:fld>
             <a:endParaRPr lang="zh-CN" altLang="en-US"/>
           </a:p>
@@ -689,7 +689,7 @@
             <a:fld id="{6E762901-3818-4288-A2AF-2123C9E3703D}" type="datetimeFigureOut">
               <a:rPr lang="zh-CN" altLang="en-US" smtClean="0"/>
               <a:pPr/>
-              <a:t>2022/11/25</a:t>
+              <a:t>2022/11/26</a:t>
             </a:fld>
             <a:endParaRPr lang="zh-CN" altLang="en-US"/>
           </a:p>
@@ -854,7 +854,7 @@
             <a:fld id="{6E762901-3818-4288-A2AF-2123C9E3703D}" type="datetimeFigureOut">
               <a:rPr lang="zh-CN" altLang="en-US" smtClean="0"/>
               <a:pPr/>
-              <a:t>2022/11/25</a:t>
+              <a:t>2022/11/26</a:t>
             </a:fld>
             <a:endParaRPr lang="zh-CN" altLang="en-US"/>
           </a:p>
@@ -1029,7 +1029,7 @@
             <a:fld id="{6E762901-3818-4288-A2AF-2123C9E3703D}" type="datetimeFigureOut">
               <a:rPr lang="zh-CN" altLang="en-US" smtClean="0"/>
               <a:pPr/>
-              <a:t>2022/11/25</a:t>
+              <a:t>2022/11/26</a:t>
             </a:fld>
             <a:endParaRPr lang="zh-CN" altLang="en-US"/>
           </a:p>
@@ -1194,7 +1194,7 @@
             <a:fld id="{6E762901-3818-4288-A2AF-2123C9E3703D}" type="datetimeFigureOut">
               <a:rPr lang="zh-CN" altLang="en-US" smtClean="0"/>
               <a:pPr/>
-              <a:t>2022/11/25</a:t>
+              <a:t>2022/11/26</a:t>
             </a:fld>
             <a:endParaRPr lang="zh-CN" altLang="en-US"/>
           </a:p>
@@ -1436,7 +1436,7 @@
             <a:fld id="{6E762901-3818-4288-A2AF-2123C9E3703D}" type="datetimeFigureOut">
               <a:rPr lang="zh-CN" altLang="en-US" smtClean="0"/>
               <a:pPr/>
-              <a:t>2022/11/25</a:t>
+              <a:t>2022/11/26</a:t>
             </a:fld>
             <a:endParaRPr lang="zh-CN" altLang="en-US"/>
           </a:p>
@@ -1662,7 +1662,7 @@
             <a:fld id="{6E762901-3818-4288-A2AF-2123C9E3703D}" type="datetimeFigureOut">
               <a:rPr lang="zh-CN" altLang="en-US" smtClean="0"/>
               <a:pPr/>
-              <a:t>2022/11/25</a:t>
+              <a:t>2022/11/26</a:t>
             </a:fld>
             <a:endParaRPr lang="zh-CN" altLang="en-US"/>
           </a:p>
@@ -2023,7 +2023,7 @@
             <a:fld id="{6E762901-3818-4288-A2AF-2123C9E3703D}" type="datetimeFigureOut">
               <a:rPr lang="zh-CN" altLang="en-US" smtClean="0"/>
               <a:pPr/>
-              <a:t>2022/11/25</a:t>
+              <a:t>2022/11/26</a:t>
             </a:fld>
             <a:endParaRPr lang="zh-CN" altLang="en-US"/>
           </a:p>
@@ -2137,7 +2137,7 @@
             <a:fld id="{6E762901-3818-4288-A2AF-2123C9E3703D}" type="datetimeFigureOut">
               <a:rPr lang="zh-CN" altLang="en-US" smtClean="0"/>
               <a:pPr/>
-              <a:t>2022/11/25</a:t>
+              <a:t>2022/11/26</a:t>
             </a:fld>
             <a:endParaRPr lang="zh-CN" altLang="en-US"/>
           </a:p>
@@ -2229,7 +2229,7 @@
             <a:fld id="{6E762901-3818-4288-A2AF-2123C9E3703D}" type="datetimeFigureOut">
               <a:rPr lang="zh-CN" altLang="en-US" smtClean="0"/>
               <a:pPr/>
-              <a:t>2022/11/25</a:t>
+              <a:t>2022/11/26</a:t>
             </a:fld>
             <a:endParaRPr lang="zh-CN" altLang="en-US"/>
           </a:p>
@@ -2501,7 +2501,7 @@
             <a:fld id="{6E762901-3818-4288-A2AF-2123C9E3703D}" type="datetimeFigureOut">
               <a:rPr lang="zh-CN" altLang="en-US" smtClean="0"/>
               <a:pPr/>
-              <a:t>2022/11/25</a:t>
+              <a:t>2022/11/26</a:t>
             </a:fld>
             <a:endParaRPr lang="zh-CN" altLang="en-US"/>
           </a:p>
@@ -2750,7 +2750,7 @@
             <a:fld id="{6E762901-3818-4288-A2AF-2123C9E3703D}" type="datetimeFigureOut">
               <a:rPr lang="zh-CN" altLang="en-US" smtClean="0"/>
               <a:pPr/>
-              <a:t>2022/11/25</a:t>
+              <a:t>2022/11/26</a:t>
             </a:fld>
             <a:endParaRPr lang="zh-CN" altLang="en-US"/>
           </a:p>
@@ -2968,7 +2968,7 @@
             <a:fld id="{6E762901-3818-4288-A2AF-2123C9E3703D}" type="datetimeFigureOut">
               <a:rPr lang="zh-CN" altLang="en-US" smtClean="0"/>
               <a:pPr/>
-              <a:t>2022/11/25</a:t>
+              <a:t>2022/11/26</a:t>
             </a:fld>
             <a:endParaRPr lang="zh-CN" altLang="en-US"/>
           </a:p>
@@ -6364,7 +6364,7 @@
                   <a:srgbClr val="3E4150"/>
                 </a:solidFill>
               </a:rPr>
-              <a:t>感谢聆听</a:t>
+              <a:t>感谢</a:t>
             </a:r>
           </a:p>
         </p:txBody>
